--- a/Week 6 -- 2D spatial models/Lecture/Lecture 6 -- 2D spatial models.pptx
+++ b/Week 6 -- 2D spatial models/Lecture/Lecture 6 -- 2D spatial models.pptx
@@ -478,6 +478,408 @@
     </a:lvl9pPr>
   </p:notesStyle>
 </p:notesMaster>
+</file>
+
+<file path=ppt/notesSlides/notesSlide1.xml><?xml version="1.0" encoding="utf-8"?>
+<p:notes xmlns:a="http://schemas.openxmlformats.org/drawingml/2006/main" xmlns:r="http://schemas.openxmlformats.org/officeDocument/2006/relationships" xmlns:p="http://schemas.openxmlformats.org/presentationml/2006/main">
+  <p:cSld>
+    <p:spTree>
+      <p:nvGrpSpPr>
+        <p:cNvPr id="1" name=""/>
+        <p:cNvGrpSpPr/>
+        <p:nvPr/>
+      </p:nvGrpSpPr>
+      <p:grpSpPr>
+        <a:xfrm>
+          <a:off x="0" y="0"/>
+          <a:ext cx="0" cy="0"/>
+          <a:chOff x="0" y="0"/>
+          <a:chExt cx="0" cy="0"/>
+        </a:xfrm>
+      </p:grpSpPr>
+      <p:sp>
+        <p:nvSpPr>
+          <p:cNvPr id="2" name="Slide Image Placeholder 1"/>
+          <p:cNvSpPr>
+            <a:spLocks noGrp="1" noRot="1" noChangeAspect="1"/>
+          </p:cNvSpPr>
+          <p:nvPr>
+            <p:ph type="sldImg"/>
+          </p:nvPr>
+        </p:nvSpPr>
+        <p:spPr/>
+      </p:sp>
+      <p:sp>
+        <p:nvSpPr>
+          <p:cNvPr id="3" name="Notes Placeholder 2"/>
+          <p:cNvSpPr>
+            <a:spLocks noGrp="1"/>
+          </p:cNvSpPr>
+          <p:nvPr>
+            <p:ph type="body" idx="1"/>
+          </p:nvPr>
+        </p:nvSpPr>
+        <p:spPr/>
+        <p:txBody>
+          <a:bodyPr/>
+          <a:lstStyle/>
+          <a:p>
+            <a:r>
+              <a:rPr lang="en-US" dirty="0" err="1" smtClean="0"/>
+              <a:t>Eltonian</a:t>
+            </a:r>
+            <a:r>
+              <a:rPr lang="en-US" dirty="0" smtClean="0"/>
+              <a:t> niche – how you fit into a community</a:t>
+            </a:r>
+            <a:r>
+              <a:rPr lang="en-US" baseline="0" dirty="0" smtClean="0"/>
+              <a:t> in terms of resources/predatory-prey dynamics</a:t>
+            </a:r>
+          </a:p>
+          <a:p>
+            <a:r>
+              <a:rPr lang="en-US" baseline="0" dirty="0" err="1" smtClean="0"/>
+              <a:t>Grinnellian</a:t>
+            </a:r>
+            <a:r>
+              <a:rPr lang="en-US" baseline="0" dirty="0" smtClean="0"/>
+              <a:t> niche – fitting into a community in terms of physical processes, dispersal ability</a:t>
+            </a:r>
+            <a:endParaRPr lang="en-US" dirty="0"/>
+          </a:p>
+        </p:txBody>
+      </p:sp>
+      <p:sp>
+        <p:nvSpPr>
+          <p:cNvPr id="4" name="Slide Number Placeholder 3"/>
+          <p:cNvSpPr>
+            <a:spLocks noGrp="1"/>
+          </p:cNvSpPr>
+          <p:nvPr>
+            <p:ph type="sldNum" sz="quarter" idx="10"/>
+          </p:nvPr>
+        </p:nvSpPr>
+        <p:spPr/>
+        <p:txBody>
+          <a:bodyPr/>
+          <a:lstStyle/>
+          <a:p>
+            <a:fld id="{DCDC1745-AA19-4253-83E6-9EAE9D7EFFC9}" type="slidenum">
+              <a:rPr lang="en-US" smtClean="0"/>
+              <a:t>3</a:t>
+            </a:fld>
+            <a:endParaRPr lang="en-US"/>
+          </a:p>
+        </p:txBody>
+      </p:sp>
+    </p:spTree>
+    <p:extLst>
+      <p:ext uri="{BB962C8B-B14F-4D97-AF65-F5344CB8AC3E}">
+        <p14:creationId xmlns:p14="http://schemas.microsoft.com/office/powerpoint/2010/main" val="1857139589"/>
+      </p:ext>
+    </p:extLst>
+  </p:cSld>
+  <p:clrMapOvr>
+    <a:masterClrMapping/>
+  </p:clrMapOvr>
+</p:notes>
+</file>
+
+<file path=ppt/notesSlides/notesSlide2.xml><?xml version="1.0" encoding="utf-8"?>
+<p:notes xmlns:a="http://schemas.openxmlformats.org/drawingml/2006/main" xmlns:r="http://schemas.openxmlformats.org/officeDocument/2006/relationships" xmlns:p="http://schemas.openxmlformats.org/presentationml/2006/main">
+  <p:cSld>
+    <p:spTree>
+      <p:nvGrpSpPr>
+        <p:cNvPr id="1" name=""/>
+        <p:cNvGrpSpPr/>
+        <p:nvPr/>
+      </p:nvGrpSpPr>
+      <p:grpSpPr>
+        <a:xfrm>
+          <a:off x="0" y="0"/>
+          <a:ext cx="0" cy="0"/>
+          <a:chOff x="0" y="0"/>
+          <a:chExt cx="0" cy="0"/>
+        </a:xfrm>
+      </p:grpSpPr>
+      <p:sp>
+        <p:nvSpPr>
+          <p:cNvPr id="2" name="Slide Image Placeholder 1"/>
+          <p:cNvSpPr>
+            <a:spLocks noGrp="1" noRot="1" noChangeAspect="1"/>
+          </p:cNvSpPr>
+          <p:nvPr>
+            <p:ph type="sldImg"/>
+          </p:nvPr>
+        </p:nvSpPr>
+        <p:spPr/>
+      </p:sp>
+      <p:sp>
+        <p:nvSpPr>
+          <p:cNvPr id="3" name="Notes Placeholder 2"/>
+          <p:cNvSpPr>
+            <a:spLocks noGrp="1"/>
+          </p:cNvSpPr>
+          <p:nvPr>
+            <p:ph type="body" idx="1"/>
+          </p:nvPr>
+        </p:nvSpPr>
+        <p:spPr/>
+        <p:txBody>
+          <a:bodyPr/>
+          <a:lstStyle/>
+          <a:p>
+            <a:r>
+              <a:rPr lang="en-US" dirty="0" smtClean="0"/>
+              <a:t>Covariance</a:t>
+            </a:r>
+            <a:r>
+              <a:rPr lang="en-US" baseline="0" dirty="0" smtClean="0"/>
+              <a:t> matrix is </a:t>
+            </a:r>
+            <a:r>
+              <a:rPr lang="en-US" i="1" baseline="0" dirty="0" smtClean="0"/>
+              <a:t>dense</a:t>
+            </a:r>
+            <a:r>
+              <a:rPr lang="en-US" i="0" baseline="0" dirty="0" smtClean="0"/>
+              <a:t> – means that every element is non-zero</a:t>
+            </a:r>
+          </a:p>
+          <a:p>
+            <a:r>
+              <a:rPr lang="en-US" i="0" baseline="0" dirty="0" smtClean="0"/>
+              <a:t>Useful to have a sparse precision matrix – only ever use the inverse</a:t>
+            </a:r>
+          </a:p>
+          <a:p>
+            <a:endParaRPr lang="en-US" i="0" baseline="0" dirty="0" smtClean="0"/>
+          </a:p>
+        </p:txBody>
+      </p:sp>
+      <p:sp>
+        <p:nvSpPr>
+          <p:cNvPr id="4" name="Slide Number Placeholder 3"/>
+          <p:cNvSpPr>
+            <a:spLocks noGrp="1"/>
+          </p:cNvSpPr>
+          <p:nvPr>
+            <p:ph type="sldNum" sz="quarter" idx="10"/>
+          </p:nvPr>
+        </p:nvSpPr>
+        <p:spPr/>
+        <p:txBody>
+          <a:bodyPr/>
+          <a:lstStyle/>
+          <a:p>
+            <a:fld id="{DCDC1745-AA19-4253-83E6-9EAE9D7EFFC9}" type="slidenum">
+              <a:rPr lang="en-US" smtClean="0"/>
+              <a:t>8</a:t>
+            </a:fld>
+            <a:endParaRPr lang="en-US"/>
+          </a:p>
+        </p:txBody>
+      </p:sp>
+    </p:spTree>
+    <p:extLst>
+      <p:ext uri="{BB962C8B-B14F-4D97-AF65-F5344CB8AC3E}">
+        <p14:creationId xmlns:p14="http://schemas.microsoft.com/office/powerpoint/2010/main" val="2057471311"/>
+      </p:ext>
+    </p:extLst>
+  </p:cSld>
+  <p:clrMapOvr>
+    <a:masterClrMapping/>
+  </p:clrMapOvr>
+</p:notes>
+</file>
+
+<file path=ppt/notesSlides/notesSlide3.xml><?xml version="1.0" encoding="utf-8"?>
+<p:notes xmlns:a="http://schemas.openxmlformats.org/drawingml/2006/main" xmlns:r="http://schemas.openxmlformats.org/officeDocument/2006/relationships" xmlns:p="http://schemas.openxmlformats.org/presentationml/2006/main">
+  <p:cSld>
+    <p:spTree>
+      <p:nvGrpSpPr>
+        <p:cNvPr id="1" name=""/>
+        <p:cNvGrpSpPr/>
+        <p:nvPr/>
+      </p:nvGrpSpPr>
+      <p:grpSpPr>
+        <a:xfrm>
+          <a:off x="0" y="0"/>
+          <a:ext cx="0" cy="0"/>
+          <a:chOff x="0" y="0"/>
+          <a:chExt cx="0" cy="0"/>
+        </a:xfrm>
+      </p:grpSpPr>
+      <p:sp>
+        <p:nvSpPr>
+          <p:cNvPr id="2" name="Slide Image Placeholder 1"/>
+          <p:cNvSpPr>
+            <a:spLocks noGrp="1" noRot="1" noChangeAspect="1"/>
+          </p:cNvSpPr>
+          <p:nvPr>
+            <p:ph type="sldImg"/>
+          </p:nvPr>
+        </p:nvSpPr>
+        <p:spPr/>
+      </p:sp>
+      <p:sp>
+        <p:nvSpPr>
+          <p:cNvPr id="3" name="Notes Placeholder 2"/>
+          <p:cNvSpPr>
+            <a:spLocks noGrp="1"/>
+          </p:cNvSpPr>
+          <p:nvPr>
+            <p:ph type="body" idx="1"/>
+          </p:nvPr>
+        </p:nvSpPr>
+        <p:spPr/>
+        <p:txBody>
+          <a:bodyPr/>
+          <a:lstStyle/>
+          <a:p>
+            <a:r>
+              <a:rPr lang="en-US" i="0" baseline="0" dirty="0" smtClean="0"/>
+              <a:t>1D</a:t>
+            </a:r>
+          </a:p>
+          <a:p>
+            <a:r>
+              <a:rPr lang="en-US" i="0" baseline="0" dirty="0" smtClean="0"/>
+              <a:t>Eps(</a:t>
+            </a:r>
+            <a:r>
+              <a:rPr lang="en-US" i="0" baseline="0" dirty="0" err="1" smtClean="0"/>
+              <a:t>i</a:t>
+            </a:r>
+            <a:r>
+              <a:rPr lang="en-US" i="0" baseline="0" dirty="0" smtClean="0"/>
+              <a:t>=1) ~ N(0, sigma^2)</a:t>
+            </a:r>
+          </a:p>
+          <a:p>
+            <a:r>
+              <a:rPr lang="en-US" i="0" baseline="0" dirty="0" smtClean="0"/>
+              <a:t>Eps(</a:t>
+            </a:r>
+            <a:r>
+              <a:rPr lang="en-US" i="0" baseline="0" dirty="0" err="1" smtClean="0"/>
+              <a:t>i</a:t>
+            </a:r>
+            <a:r>
+              <a:rPr lang="en-US" i="0" baseline="0" dirty="0" smtClean="0"/>
+              <a:t>=1) ~ N(rho*eps(</a:t>
+            </a:r>
+            <a:r>
+              <a:rPr lang="en-US" i="0" baseline="0" dirty="0" err="1" smtClean="0"/>
+              <a:t>i</a:t>
+            </a:r>
+            <a:r>
+              <a:rPr lang="en-US" i="0" baseline="0" dirty="0" smtClean="0"/>
+              <a:t>=1), sigma^2)</a:t>
+            </a:r>
+          </a:p>
+          <a:p>
+            <a:endParaRPr lang="en-US" i="0" baseline="0" dirty="0" smtClean="0"/>
+          </a:p>
+          <a:p>
+            <a:r>
+              <a:rPr lang="en-US" i="0" baseline="0" dirty="0" smtClean="0"/>
+              <a:t>2D </a:t>
+            </a:r>
+          </a:p>
+          <a:p>
+            <a:r>
+              <a:rPr lang="en-US" i="0" baseline="0" dirty="0" err="1" smtClean="0"/>
+              <a:t>Vec_Eps</a:t>
+            </a:r>
+            <a:r>
+              <a:rPr lang="en-US" i="0" baseline="0" dirty="0" smtClean="0"/>
+              <a:t>(</a:t>
+            </a:r>
+            <a:r>
+              <a:rPr lang="en-US" i="0" baseline="0" dirty="0" err="1" smtClean="0"/>
+              <a:t>i</a:t>
+            </a:r>
+            <a:r>
+              <a:rPr lang="en-US" i="0" baseline="0" dirty="0" smtClean="0"/>
+              <a:t>=1) ~ MVN(0, Sigma^2)</a:t>
+            </a:r>
+          </a:p>
+          <a:p>
+            <a:r>
+              <a:rPr lang="en-US" i="0" baseline="0" dirty="0" err="1" smtClean="0"/>
+              <a:t>Vec_Eps</a:t>
+            </a:r>
+            <a:r>
+              <a:rPr lang="en-US" i="0" baseline="0" dirty="0" smtClean="0"/>
+              <a:t>(</a:t>
+            </a:r>
+            <a:r>
+              <a:rPr lang="en-US" i="0" baseline="0" dirty="0" err="1" smtClean="0"/>
+              <a:t>i</a:t>
+            </a:r>
+            <a:r>
+              <a:rPr lang="en-US" i="0" baseline="0" dirty="0" smtClean="0"/>
+              <a:t>=2) ~ MVN(rho*</a:t>
+            </a:r>
+            <a:r>
+              <a:rPr lang="en-US" i="0" baseline="0" dirty="0" err="1" smtClean="0"/>
+              <a:t>Vec_Eps</a:t>
+            </a:r>
+            <a:r>
+              <a:rPr lang="en-US" i="0" baseline="0" dirty="0" smtClean="0"/>
+              <a:t>(</a:t>
+            </a:r>
+            <a:r>
+              <a:rPr lang="en-US" i="0" baseline="0" dirty="0" err="1" smtClean="0"/>
+              <a:t>i</a:t>
+            </a:r>
+            <a:r>
+              <a:rPr lang="en-US" i="0" baseline="0" dirty="0" smtClean="0"/>
+              <a:t>=1), Sigma^2)</a:t>
+            </a:r>
+            <a:endParaRPr lang="en-US" dirty="0" smtClean="0"/>
+          </a:p>
+          <a:p>
+            <a:endParaRPr lang="en-US" dirty="0"/>
+          </a:p>
+        </p:txBody>
+      </p:sp>
+      <p:sp>
+        <p:nvSpPr>
+          <p:cNvPr id="4" name="Slide Number Placeholder 3"/>
+          <p:cNvSpPr>
+            <a:spLocks noGrp="1"/>
+          </p:cNvSpPr>
+          <p:nvPr>
+            <p:ph type="sldNum" sz="quarter" idx="10"/>
+          </p:nvPr>
+        </p:nvSpPr>
+        <p:spPr/>
+        <p:txBody>
+          <a:bodyPr/>
+          <a:lstStyle/>
+          <a:p>
+            <a:fld id="{DCDC1745-AA19-4253-83E6-9EAE9D7EFFC9}" type="slidenum">
+              <a:rPr lang="en-US" smtClean="0"/>
+              <a:t>9</a:t>
+            </a:fld>
+            <a:endParaRPr lang="en-US"/>
+          </a:p>
+        </p:txBody>
+      </p:sp>
+    </p:spTree>
+    <p:extLst>
+      <p:ext uri="{BB962C8B-B14F-4D97-AF65-F5344CB8AC3E}">
+        <p14:creationId xmlns:p14="http://schemas.microsoft.com/office/powerpoint/2010/main" val="813853460"/>
+      </p:ext>
+    </p:extLst>
+  </p:cSld>
+  <p:clrMapOvr>
+    <a:masterClrMapping/>
+  </p:clrMapOvr>
+</p:notes>
 </file>
 
 <file path=ppt/slideLayouts/slideLayout1.xml><?xml version="1.0" encoding="utf-8"?>
@@ -3819,7 +4221,7 @@
           <a:graphicData uri="http://schemas.openxmlformats.org/presentationml/2006/ole">
             <mc:AlternateContent xmlns:mc="http://schemas.openxmlformats.org/markup-compatibility/2006">
               <mc:Choice xmlns:v="urn:schemas-microsoft-com:vml" Requires="v">
-                <p:oleObj spid="_x0000_s8209" name="Equation" r:id="rId4" imgW="1549080" imgH="736560" progId="Equation.DSMT4">
+                <p:oleObj spid="_x0000_s8215" name="Equation" r:id="rId4" imgW="1549080" imgH="736560" progId="Equation.DSMT4">
                   <p:embed/>
                 </p:oleObj>
               </mc:Choice>
@@ -4108,7 +4510,7 @@
           <a:graphicData uri="http://schemas.openxmlformats.org/presentationml/2006/ole">
             <mc:AlternateContent xmlns:mc="http://schemas.openxmlformats.org/markup-compatibility/2006">
               <mc:Choice xmlns:v="urn:schemas-microsoft-com:vml" Requires="v">
-                <p:oleObj spid="_x0000_s9233" name="Equation" r:id="rId4" imgW="4406760" imgH="2260440" progId="Equation.DSMT4">
+                <p:oleObj spid="_x0000_s9239" name="Equation" r:id="rId4" imgW="4406760" imgH="2260440" progId="Equation.DSMT4">
                   <p:embed/>
                 </p:oleObj>
               </mc:Choice>
@@ -5269,7 +5671,7 @@
           <a:graphicData uri="http://schemas.openxmlformats.org/presentationml/2006/ole">
             <mc:AlternateContent xmlns:mc="http://schemas.openxmlformats.org/markup-compatibility/2006">
               <mc:Choice xmlns:v="urn:schemas-microsoft-com:vml" Requires="v">
-                <p:oleObj spid="_x0000_s10270" name="Equation" r:id="rId4" imgW="6730920" imgH="2260440" progId="Equation.DSMT4">
+                <p:oleObj spid="_x0000_s10282" name="Equation" r:id="rId4" imgW="6730920" imgH="2260440" progId="Equation.DSMT4">
                   <p:embed/>
                 </p:oleObj>
               </mc:Choice>
@@ -5326,7 +5728,7 @@
           <a:graphicData uri="http://schemas.openxmlformats.org/presentationml/2006/ole">
             <mc:AlternateContent xmlns:mc="http://schemas.openxmlformats.org/markup-compatibility/2006">
               <mc:Choice xmlns:v="urn:schemas-microsoft-com:vml" Requires="v">
-                <p:oleObj spid="_x0000_s10271" name="Equation" r:id="rId6" imgW="2133360" imgH="736560" progId="Equation.DSMT4">
+                <p:oleObj spid="_x0000_s10283" name="Equation" r:id="rId6" imgW="2133360" imgH="736560" progId="Equation.DSMT4">
                   <p:embed/>
                 </p:oleObj>
               </mc:Choice>
@@ -8592,7 +8994,7 @@
             </p:nvSpPr>
             <p:spPr>
               <a:blipFill>
-                <a:blip r:embed="rId3"/>
+                <a:blip r:embed="rId4"/>
                 <a:stretch>
                   <a:fillRect l="-1424" t="-1026"/>
                 </a:stretch>
@@ -8635,12 +9037,12 @@
           <a:graphicData uri="http://schemas.openxmlformats.org/presentationml/2006/ole">
             <mc:AlternateContent xmlns:mc="http://schemas.openxmlformats.org/markup-compatibility/2006">
               <mc:Choice xmlns:v="urn:schemas-microsoft-com:vml" Requires="v">
-                <p:oleObj spid="_x0000_s7188" name="Equation" r:id="rId4" imgW="1549080" imgH="736560" progId="Equation.DSMT4">
+                <p:oleObj spid="_x0000_s7200" name="Equation" r:id="rId5" imgW="1549080" imgH="736560" progId="Equation.DSMT4">
                   <p:embed/>
                 </p:oleObj>
               </mc:Choice>
               <mc:Fallback>
-                <p:oleObj name="Equation" r:id="rId4" imgW="1549080" imgH="736560" progId="Equation.DSMT4">
+                <p:oleObj name="Equation" r:id="rId5" imgW="1549080" imgH="736560" progId="Equation.DSMT4">
                   <p:embed/>
                   <p:pic>
                     <p:nvPicPr>
@@ -8649,7 +9051,7 @@
                       <p:nvPr/>
                     </p:nvPicPr>
                     <p:blipFill>
-                      <a:blip r:embed="rId5"/>
+                      <a:blip r:embed="rId6"/>
                       <a:stretch>
                         <a:fillRect/>
                       </a:stretch>
@@ -8692,12 +9094,12 @@
           <a:graphicData uri="http://schemas.openxmlformats.org/presentationml/2006/ole">
             <mc:AlternateContent xmlns:mc="http://schemas.openxmlformats.org/markup-compatibility/2006">
               <mc:Choice xmlns:v="urn:schemas-microsoft-com:vml" Requires="v">
-                <p:oleObj spid="_x0000_s7189" name="Equation" r:id="rId6" imgW="2133360" imgH="736560" progId="Equation.DSMT4">
+                <p:oleObj spid="_x0000_s7201" name="Equation" r:id="rId7" imgW="2133360" imgH="736560" progId="Equation.DSMT4">
                   <p:embed/>
                 </p:oleObj>
               </mc:Choice>
               <mc:Fallback>
-                <p:oleObj name="Equation" r:id="rId6" imgW="2133360" imgH="736560" progId="Equation.DSMT4">
+                <p:oleObj name="Equation" r:id="rId7" imgW="2133360" imgH="736560" progId="Equation.DSMT4">
                   <p:embed/>
                   <p:pic>
                     <p:nvPicPr>
@@ -8706,7 +9108,7 @@
                       <p:nvPr/>
                     </p:nvPicPr>
                     <p:blipFill>
-                      <a:blip r:embed="rId7"/>
+                      <a:blip r:embed="rId8"/>
                       <a:stretch>
                         <a:fillRect/>
                       </a:stretch>
